--- a/images/Presentation1.pptx
+++ b/images/Presentation1.pptx
@@ -6,8 +6,9 @@
   </p:sldMasterIdLst>
   <p:sldIdLst>
     <p:sldId id="256" r:id="rId2"/>
-    <p:sldId id="257" r:id="rId3"/>
-    <p:sldId id="258" r:id="rId4"/>
+    <p:sldId id="259" r:id="rId3"/>
+    <p:sldId id="257" r:id="rId4"/>
+    <p:sldId id="258" r:id="rId5"/>
   </p:sldIdLst>
   <p:sldSz cx="12192000" cy="6858000"/>
   <p:notesSz cx="6858000" cy="9144000"/>
@@ -263,7 +264,7 @@
           <a:p>
             <a:fld id="{1E794A6F-6913-4641-A2C2-00E236F4867C}" type="datetimeFigureOut">
               <a:rPr lang="en-IN" smtClean="0"/>
-              <a:t>15-03-2022</a:t>
+              <a:t>01-09-2022</a:t>
             </a:fld>
             <a:endParaRPr lang="en-IN"/>
           </a:p>
@@ -463,7 +464,7 @@
           <a:p>
             <a:fld id="{1E794A6F-6913-4641-A2C2-00E236F4867C}" type="datetimeFigureOut">
               <a:rPr lang="en-IN" smtClean="0"/>
-              <a:t>15-03-2022</a:t>
+              <a:t>01-09-2022</a:t>
             </a:fld>
             <a:endParaRPr lang="en-IN"/>
           </a:p>
@@ -673,7 +674,7 @@
           <a:p>
             <a:fld id="{1E794A6F-6913-4641-A2C2-00E236F4867C}" type="datetimeFigureOut">
               <a:rPr lang="en-IN" smtClean="0"/>
-              <a:t>15-03-2022</a:t>
+              <a:t>01-09-2022</a:t>
             </a:fld>
             <a:endParaRPr lang="en-IN"/>
           </a:p>
@@ -873,7 +874,7 @@
           <a:p>
             <a:fld id="{1E794A6F-6913-4641-A2C2-00E236F4867C}" type="datetimeFigureOut">
               <a:rPr lang="en-IN" smtClean="0"/>
-              <a:t>15-03-2022</a:t>
+              <a:t>01-09-2022</a:t>
             </a:fld>
             <a:endParaRPr lang="en-IN"/>
           </a:p>
@@ -1149,7 +1150,7 @@
           <a:p>
             <a:fld id="{1E794A6F-6913-4641-A2C2-00E236F4867C}" type="datetimeFigureOut">
               <a:rPr lang="en-IN" smtClean="0"/>
-              <a:t>15-03-2022</a:t>
+              <a:t>01-09-2022</a:t>
             </a:fld>
             <a:endParaRPr lang="en-IN"/>
           </a:p>
@@ -1417,7 +1418,7 @@
           <a:p>
             <a:fld id="{1E794A6F-6913-4641-A2C2-00E236F4867C}" type="datetimeFigureOut">
               <a:rPr lang="en-IN" smtClean="0"/>
-              <a:t>15-03-2022</a:t>
+              <a:t>01-09-2022</a:t>
             </a:fld>
             <a:endParaRPr lang="en-IN"/>
           </a:p>
@@ -1832,7 +1833,7 @@
           <a:p>
             <a:fld id="{1E794A6F-6913-4641-A2C2-00E236F4867C}" type="datetimeFigureOut">
               <a:rPr lang="en-IN" smtClean="0"/>
-              <a:t>15-03-2022</a:t>
+              <a:t>01-09-2022</a:t>
             </a:fld>
             <a:endParaRPr lang="en-IN"/>
           </a:p>
@@ -1974,7 +1975,7 @@
           <a:p>
             <a:fld id="{1E794A6F-6913-4641-A2C2-00E236F4867C}" type="datetimeFigureOut">
               <a:rPr lang="en-IN" smtClean="0"/>
-              <a:t>15-03-2022</a:t>
+              <a:t>01-09-2022</a:t>
             </a:fld>
             <a:endParaRPr lang="en-IN"/>
           </a:p>
@@ -2087,7 +2088,7 @@
           <a:p>
             <a:fld id="{1E794A6F-6913-4641-A2C2-00E236F4867C}" type="datetimeFigureOut">
               <a:rPr lang="en-IN" smtClean="0"/>
-              <a:t>15-03-2022</a:t>
+              <a:t>01-09-2022</a:t>
             </a:fld>
             <a:endParaRPr lang="en-IN"/>
           </a:p>
@@ -2400,7 +2401,7 @@
           <a:p>
             <a:fld id="{1E794A6F-6913-4641-A2C2-00E236F4867C}" type="datetimeFigureOut">
               <a:rPr lang="en-IN" smtClean="0"/>
-              <a:t>15-03-2022</a:t>
+              <a:t>01-09-2022</a:t>
             </a:fld>
             <a:endParaRPr lang="en-IN"/>
           </a:p>
@@ -2689,7 +2690,7 @@
           <a:p>
             <a:fld id="{1E794A6F-6913-4641-A2C2-00E236F4867C}" type="datetimeFigureOut">
               <a:rPr lang="en-IN" smtClean="0"/>
-              <a:t>15-03-2022</a:t>
+              <a:t>01-09-2022</a:t>
             </a:fld>
             <a:endParaRPr lang="en-IN"/>
           </a:p>
@@ -2932,7 +2933,7 @@
           <a:p>
             <a:fld id="{1E794A6F-6913-4641-A2C2-00E236F4867C}" type="datetimeFigureOut">
               <a:rPr lang="en-IN" smtClean="0"/>
-              <a:t>15-03-2022</a:t>
+              <a:t>01-09-2022</a:t>
             </a:fld>
             <a:endParaRPr lang="en-IN"/>
           </a:p>
@@ -3458,6 +3459,87 @@
         </p:blipFill>
         <p:spPr>
           <a:xfrm>
+            <a:off x="3519713" y="290285"/>
+            <a:ext cx="5152572" cy="5152572"/>
+          </a:xfrm>
+          <a:prstGeom prst="rect">
+            <a:avLst/>
+          </a:prstGeom>
+          <a:ln w="38100">
+            <a:solidFill>
+              <a:schemeClr val="tx1"/>
+            </a:solidFill>
+          </a:ln>
+          <a:effectLst>
+            <a:outerShdw blurRad="76200" dir="13500000" sy="23000" kx="1200000" algn="br" rotWithShape="0">
+              <a:prstClr val="black">
+                <a:alpha val="20000"/>
+              </a:prstClr>
+            </a:outerShdw>
+          </a:effectLst>
+          <a:scene3d>
+            <a:camera prst="perspectiveContrastingRightFacing"/>
+            <a:lightRig rig="threePt" dir="t"/>
+          </a:scene3d>
+        </p:spPr>
+      </p:pic>
+    </p:spTree>
+    <p:extLst>
+      <p:ext uri="{BB962C8B-B14F-4D97-AF65-F5344CB8AC3E}">
+        <p14:creationId xmlns:p14="http://schemas.microsoft.com/office/powerpoint/2010/main" val="416259461"/>
+      </p:ext>
+    </p:extLst>
+  </p:cSld>
+  <p:clrMapOvr>
+    <a:masterClrMapping/>
+  </p:clrMapOvr>
+</p:sld>
+</file>
+
+<file path=ppt/slides/slide3.xml><?xml version="1.0" encoding="utf-8"?>
+<p:sld xmlns:a="http://schemas.openxmlformats.org/drawingml/2006/main" xmlns:r="http://schemas.openxmlformats.org/officeDocument/2006/relationships" xmlns:p="http://schemas.openxmlformats.org/presentationml/2006/main">
+  <p:cSld>
+    <p:spTree>
+      <p:nvGrpSpPr>
+        <p:cNvPr id="1" name=""/>
+        <p:cNvGrpSpPr/>
+        <p:nvPr/>
+      </p:nvGrpSpPr>
+      <p:grpSpPr>
+        <a:xfrm>
+          <a:off x="0" y="0"/>
+          <a:ext cx="0" cy="0"/>
+          <a:chOff x="0" y="0"/>
+          <a:chExt cx="0" cy="0"/>
+        </a:xfrm>
+      </p:grpSpPr>
+      <p:pic>
+        <p:nvPicPr>
+          <p:cNvPr id="5" name="Picture 4">
+            <a:extLst>
+              <a:ext uri="{FF2B5EF4-FFF2-40B4-BE49-F238E27FC236}">
+                <a16:creationId xmlns:a16="http://schemas.microsoft.com/office/drawing/2014/main" id="{4ACB2F06-2BA1-4C14-BD72-8B81881C95B9}"/>
+              </a:ext>
+            </a:extLst>
+          </p:cNvPr>
+          <p:cNvPicPr>
+            <a:picLocks noChangeAspect="1"/>
+          </p:cNvPicPr>
+          <p:nvPr/>
+        </p:nvPicPr>
+        <p:blipFill>
+          <a:blip r:embed="rId2">
+            <a:extLst>
+              <a:ext uri="{28A0092B-C50C-407E-A947-70E740481C1C}">
+                <a14:useLocalDpi xmlns:a14="http://schemas.microsoft.com/office/drawing/2010/main" val="0"/>
+              </a:ext>
+            </a:extLst>
+          </a:blip>
+          <a:srcRect/>
+          <a:stretch/>
+        </p:blipFill>
+        <p:spPr>
+          <a:xfrm>
             <a:off x="2535060" y="290285"/>
             <a:ext cx="7121879" cy="5152572"/>
           </a:xfrm>
@@ -3495,7 +3577,7 @@
 </p:sld>
 </file>
 
-<file path=ppt/slides/slide3.xml><?xml version="1.0" encoding="utf-8"?>
+<file path=ppt/slides/slide4.xml><?xml version="1.0" encoding="utf-8"?>
 <p:sld xmlns:a="http://schemas.openxmlformats.org/drawingml/2006/main" xmlns:r="http://schemas.openxmlformats.org/officeDocument/2006/relationships" xmlns:p="http://schemas.openxmlformats.org/presentationml/2006/main">
   <p:cSld>
     <p:spTree>

--- a/images/Presentation1.pptx
+++ b/images/Presentation1.pptx
@@ -9,6 +9,7 @@
     <p:sldId id="259" r:id="rId3"/>
     <p:sldId id="257" r:id="rId4"/>
     <p:sldId id="258" r:id="rId5"/>
+    <p:sldId id="260" r:id="rId6"/>
   </p:sldIdLst>
   <p:sldSz cx="12192000" cy="6858000"/>
   <p:notesSz cx="6858000" cy="9144000"/>
@@ -264,7 +265,7 @@
           <a:p>
             <a:fld id="{1E794A6F-6913-4641-A2C2-00E236F4867C}" type="datetimeFigureOut">
               <a:rPr lang="en-IN" smtClean="0"/>
-              <a:t>01-09-2022</a:t>
+              <a:t>28-09-2022</a:t>
             </a:fld>
             <a:endParaRPr lang="en-IN"/>
           </a:p>
@@ -464,7 +465,7 @@
           <a:p>
             <a:fld id="{1E794A6F-6913-4641-A2C2-00E236F4867C}" type="datetimeFigureOut">
               <a:rPr lang="en-IN" smtClean="0"/>
-              <a:t>01-09-2022</a:t>
+              <a:t>28-09-2022</a:t>
             </a:fld>
             <a:endParaRPr lang="en-IN"/>
           </a:p>
@@ -674,7 +675,7 @@
           <a:p>
             <a:fld id="{1E794A6F-6913-4641-A2C2-00E236F4867C}" type="datetimeFigureOut">
               <a:rPr lang="en-IN" smtClean="0"/>
-              <a:t>01-09-2022</a:t>
+              <a:t>28-09-2022</a:t>
             </a:fld>
             <a:endParaRPr lang="en-IN"/>
           </a:p>
@@ -874,7 +875,7 @@
           <a:p>
             <a:fld id="{1E794A6F-6913-4641-A2C2-00E236F4867C}" type="datetimeFigureOut">
               <a:rPr lang="en-IN" smtClean="0"/>
-              <a:t>01-09-2022</a:t>
+              <a:t>28-09-2022</a:t>
             </a:fld>
             <a:endParaRPr lang="en-IN"/>
           </a:p>
@@ -1150,7 +1151,7 @@
           <a:p>
             <a:fld id="{1E794A6F-6913-4641-A2C2-00E236F4867C}" type="datetimeFigureOut">
               <a:rPr lang="en-IN" smtClean="0"/>
-              <a:t>01-09-2022</a:t>
+              <a:t>28-09-2022</a:t>
             </a:fld>
             <a:endParaRPr lang="en-IN"/>
           </a:p>
@@ -1418,7 +1419,7 @@
           <a:p>
             <a:fld id="{1E794A6F-6913-4641-A2C2-00E236F4867C}" type="datetimeFigureOut">
               <a:rPr lang="en-IN" smtClean="0"/>
-              <a:t>01-09-2022</a:t>
+              <a:t>28-09-2022</a:t>
             </a:fld>
             <a:endParaRPr lang="en-IN"/>
           </a:p>
@@ -1833,7 +1834,7 @@
           <a:p>
             <a:fld id="{1E794A6F-6913-4641-A2C2-00E236F4867C}" type="datetimeFigureOut">
               <a:rPr lang="en-IN" smtClean="0"/>
-              <a:t>01-09-2022</a:t>
+              <a:t>28-09-2022</a:t>
             </a:fld>
             <a:endParaRPr lang="en-IN"/>
           </a:p>
@@ -1975,7 +1976,7 @@
           <a:p>
             <a:fld id="{1E794A6F-6913-4641-A2C2-00E236F4867C}" type="datetimeFigureOut">
               <a:rPr lang="en-IN" smtClean="0"/>
-              <a:t>01-09-2022</a:t>
+              <a:t>28-09-2022</a:t>
             </a:fld>
             <a:endParaRPr lang="en-IN"/>
           </a:p>
@@ -2088,7 +2089,7 @@
           <a:p>
             <a:fld id="{1E794A6F-6913-4641-A2C2-00E236F4867C}" type="datetimeFigureOut">
               <a:rPr lang="en-IN" smtClean="0"/>
-              <a:t>01-09-2022</a:t>
+              <a:t>28-09-2022</a:t>
             </a:fld>
             <a:endParaRPr lang="en-IN"/>
           </a:p>
@@ -2401,7 +2402,7 @@
           <a:p>
             <a:fld id="{1E794A6F-6913-4641-A2C2-00E236F4867C}" type="datetimeFigureOut">
               <a:rPr lang="en-IN" smtClean="0"/>
-              <a:t>01-09-2022</a:t>
+              <a:t>28-09-2022</a:t>
             </a:fld>
             <a:endParaRPr lang="en-IN"/>
           </a:p>
@@ -2690,7 +2691,7 @@
           <a:p>
             <a:fld id="{1E794A6F-6913-4641-A2C2-00E236F4867C}" type="datetimeFigureOut">
               <a:rPr lang="en-IN" smtClean="0"/>
-              <a:t>01-09-2022</a:t>
+              <a:t>28-09-2022</a:t>
             </a:fld>
             <a:endParaRPr lang="en-IN"/>
           </a:p>
@@ -2767,9 +2768,39 @@
 <p:sldMaster xmlns:a="http://schemas.openxmlformats.org/drawingml/2006/main" xmlns:r="http://schemas.openxmlformats.org/officeDocument/2006/relationships" xmlns:p="http://schemas.openxmlformats.org/presentationml/2006/main">
   <p:cSld>
     <p:bg>
-      <p:bgRef idx="1001">
-        <a:schemeClr val="bg1"/>
-      </p:bgRef>
+      <p:bgPr>
+        <a:gradFill flip="none" rotWithShape="1">
+          <a:gsLst>
+            <a:gs pos="0">
+              <a:schemeClr val="accent4">
+                <a:lumMod val="5000"/>
+                <a:lumOff val="95000"/>
+              </a:schemeClr>
+            </a:gs>
+            <a:gs pos="74000">
+              <a:schemeClr val="accent4">
+                <a:lumMod val="45000"/>
+                <a:lumOff val="55000"/>
+              </a:schemeClr>
+            </a:gs>
+            <a:gs pos="83000">
+              <a:schemeClr val="accent4">
+                <a:lumMod val="45000"/>
+                <a:lumOff val="55000"/>
+              </a:schemeClr>
+            </a:gs>
+            <a:gs pos="100000">
+              <a:schemeClr val="accent4">
+                <a:lumMod val="30000"/>
+                <a:lumOff val="70000"/>
+              </a:schemeClr>
+            </a:gs>
+          </a:gsLst>
+          <a:lin ang="8100000" scaled="1"/>
+          <a:tileRect/>
+        </a:gradFill>
+        <a:effectLst/>
+      </p:bgPr>
     </p:bg>
     <p:spTree>
       <p:nvGrpSpPr>
@@ -2933,7 +2964,7 @@
           <a:p>
             <a:fld id="{1E794A6F-6913-4641-A2C2-00E236F4867C}" type="datetimeFigureOut">
               <a:rPr lang="en-IN" smtClean="0"/>
-              <a:t>01-09-2022</a:t>
+              <a:t>28-09-2022</a:t>
             </a:fld>
             <a:endParaRPr lang="en-IN"/>
           </a:p>
@@ -3359,8 +3390,8 @@
               </a:ext>
             </a:extLst>
           </p:cNvPr>
-          <p:cNvPicPr>
-            <a:picLocks noChangeAspect="1"/>
+          <p:cNvPicPr preferRelativeResize="0">
+            <a:picLocks/>
           </p:cNvPicPr>
           <p:nvPr/>
         </p:nvPicPr>
@@ -3378,8 +3409,8 @@
         </p:blipFill>
         <p:spPr>
           <a:xfrm>
-            <a:off x="1835605" y="290285"/>
-            <a:ext cx="8520789" cy="5152572"/>
+            <a:off x="1179075" y="862594"/>
+            <a:ext cx="7920000" cy="4320000"/>
           </a:xfrm>
           <a:prstGeom prst="rect">
             <a:avLst/>
@@ -3441,8 +3472,8 @@
               </a:ext>
             </a:extLst>
           </p:cNvPr>
-          <p:cNvPicPr>
-            <a:picLocks noChangeAspect="1"/>
+          <p:cNvPicPr preferRelativeResize="0">
+            <a:picLocks/>
           </p:cNvPicPr>
           <p:nvPr/>
         </p:nvPicPr>
@@ -3459,8 +3490,8 @@
         </p:blipFill>
         <p:spPr>
           <a:xfrm>
-            <a:off x="3519713" y="290285"/>
-            <a:ext cx="5152572" cy="5152572"/>
+            <a:off x="1036366" y="694498"/>
+            <a:ext cx="7920000" cy="4320000"/>
           </a:xfrm>
           <a:prstGeom prst="rect">
             <a:avLst/>
@@ -3522,8 +3553,8 @@
               </a:ext>
             </a:extLst>
           </p:cNvPr>
-          <p:cNvPicPr>
-            <a:picLocks noChangeAspect="1"/>
+          <p:cNvPicPr preferRelativeResize="0">
+            <a:picLocks/>
           </p:cNvPicPr>
           <p:nvPr/>
         </p:nvPicPr>
@@ -3540,8 +3571,8 @@
         </p:blipFill>
         <p:spPr>
           <a:xfrm>
-            <a:off x="2535060" y="290285"/>
-            <a:ext cx="7121879" cy="5152572"/>
+            <a:off x="1064477" y="446937"/>
+            <a:ext cx="7920000" cy="4320000"/>
           </a:xfrm>
           <a:prstGeom prst="rect">
             <a:avLst/>
@@ -3603,8 +3634,8 @@
               </a:ext>
             </a:extLst>
           </p:cNvPr>
-          <p:cNvPicPr>
-            <a:picLocks noChangeAspect="1"/>
+          <p:cNvPicPr preferRelativeResize="0">
+            <a:picLocks/>
           </p:cNvPicPr>
           <p:nvPr/>
         </p:nvPicPr>
@@ -3621,8 +3652,8 @@
         </p:blipFill>
         <p:spPr>
           <a:xfrm>
-            <a:off x="2658842" y="290285"/>
-            <a:ext cx="6874315" cy="5152572"/>
+            <a:off x="1169406" y="486053"/>
+            <a:ext cx="7920000" cy="4320000"/>
           </a:xfrm>
           <a:prstGeom prst="rect">
             <a:avLst/>
@@ -3649,6 +3680,72 @@
     <p:extLst>
       <p:ext uri="{BB962C8B-B14F-4D97-AF65-F5344CB8AC3E}">
         <p14:creationId xmlns:p14="http://schemas.microsoft.com/office/powerpoint/2010/main" val="1978544874"/>
+      </p:ext>
+    </p:extLst>
+  </p:cSld>
+  <p:clrMapOvr>
+    <a:masterClrMapping/>
+  </p:clrMapOvr>
+</p:sld>
+</file>
+
+<file path=ppt/slides/slide5.xml><?xml version="1.0" encoding="utf-8"?>
+<p:sld xmlns:a="http://schemas.openxmlformats.org/drawingml/2006/main" xmlns:r="http://schemas.openxmlformats.org/officeDocument/2006/relationships" xmlns:p="http://schemas.openxmlformats.org/presentationml/2006/main">
+  <p:cSld>
+    <p:spTree>
+      <p:nvGrpSpPr>
+        <p:cNvPr id="1" name=""/>
+        <p:cNvGrpSpPr/>
+        <p:nvPr/>
+      </p:nvGrpSpPr>
+      <p:grpSpPr>
+        <a:xfrm>
+          <a:off x="0" y="0"/>
+          <a:ext cx="0" cy="0"/>
+          <a:chOff x="0" y="0"/>
+          <a:chExt cx="0" cy="0"/>
+        </a:xfrm>
+      </p:grpSpPr>
+      <p:pic>
+        <p:nvPicPr>
+          <p:cNvPr id="3" name="Picture 2" descr="Graphical user interface&#10;&#10;Description automatically generated">
+            <a:extLst>
+              <a:ext uri="{FF2B5EF4-FFF2-40B4-BE49-F238E27FC236}">
+                <a16:creationId xmlns:a16="http://schemas.microsoft.com/office/drawing/2014/main" id="{9EF1965B-2309-0195-821B-FD6C734DB040}"/>
+              </a:ext>
+            </a:extLst>
+          </p:cNvPr>
+          <p:cNvPicPr>
+            <a:picLocks noChangeAspect="1"/>
+          </p:cNvPicPr>
+          <p:nvPr/>
+        </p:nvPicPr>
+        <p:blipFill>
+          <a:blip r:embed="rId2">
+            <a:extLst>
+              <a:ext uri="{28A0092B-C50C-407E-A947-70E740481C1C}">
+                <a14:useLocalDpi xmlns:a14="http://schemas.microsoft.com/office/drawing/2010/main" val="0"/>
+              </a:ext>
+            </a:extLst>
+          </a:blip>
+          <a:stretch>
+            <a:fillRect/>
+          </a:stretch>
+        </p:blipFill>
+        <p:spPr>
+          <a:xfrm>
+            <a:off x="104137" y="1136351"/>
+            <a:ext cx="5991863" cy="4951404"/>
+          </a:xfrm>
+          <a:prstGeom prst="rect">
+            <a:avLst/>
+          </a:prstGeom>
+        </p:spPr>
+      </p:pic>
+    </p:spTree>
+    <p:extLst>
+      <p:ext uri="{BB962C8B-B14F-4D97-AF65-F5344CB8AC3E}">
+        <p14:creationId xmlns:p14="http://schemas.microsoft.com/office/powerpoint/2010/main" val="1297924937"/>
       </p:ext>
     </p:extLst>
   </p:cSld>
